--- a/Präsentation1.pptx
+++ b/Präsentation1.pptx
@@ -7,6 +7,7 @@
   <p:sldIdLst>
     <p:sldId id="256" r:id="rId2"/>
     <p:sldId id="257" r:id="rId3"/>
+    <p:sldId id="258" r:id="rId4"/>
   </p:sldIdLst>
   <p:sldSz cx="12192000" cy="6858000"/>
   <p:notesSz cx="6858000" cy="9144000"/>
@@ -3633,10 +3634,9 @@
               <a:t>Reload</a:t>
             </a:r>
             <a:r>
-              <a:rPr lang="de-DE"/>
+              <a:rPr lang="de-DE" dirty="0"/>
               <a:t>!</a:t>
             </a:r>
-            <a:endParaRPr lang="de-DE" dirty="0"/>
           </a:p>
         </p:txBody>
       </p:sp>
@@ -3644,6 +3644,173 @@
     <p:extLst>
       <p:ext uri="{BB962C8B-B14F-4D97-AF65-F5344CB8AC3E}">
         <p14:creationId xmlns:p14="http://schemas.microsoft.com/office/powerpoint/2010/main" val="3826917786"/>
+      </p:ext>
+    </p:extLst>
+  </p:cSld>
+  <p:clrMapOvr>
+    <a:masterClrMapping/>
+  </p:clrMapOvr>
+</p:sld>
+</file>
+
+<file path=ppt/slides/slide3.xml><?xml version="1.0" encoding="utf-8"?>
+<p:sld xmlns:a="http://schemas.openxmlformats.org/drawingml/2006/main" xmlns:r="http://schemas.openxmlformats.org/officeDocument/2006/relationships" xmlns:p="http://schemas.openxmlformats.org/presentationml/2006/main">
+  <p:cSld>
+    <p:spTree>
+      <p:nvGrpSpPr>
+        <p:cNvPr id="1" name=""/>
+        <p:cNvGrpSpPr/>
+        <p:nvPr/>
+      </p:nvGrpSpPr>
+      <p:grpSpPr>
+        <a:xfrm>
+          <a:off x="0" y="0"/>
+          <a:ext cx="0" cy="0"/>
+          <a:chOff x="0" y="0"/>
+          <a:chExt cx="0" cy="0"/>
+        </a:xfrm>
+      </p:grpSpPr>
+      <p:sp>
+        <p:nvSpPr>
+          <p:cNvPr id="2" name="Titel 1">
+            <a:extLst>
+              <a:ext uri="{FF2B5EF4-FFF2-40B4-BE49-F238E27FC236}">
+                <a16:creationId xmlns:a16="http://schemas.microsoft.com/office/drawing/2014/main" id="{CAAC982A-9681-2E46-B330-D4504C55DC52}"/>
+              </a:ext>
+            </a:extLst>
+          </p:cNvPr>
+          <p:cNvSpPr>
+            <a:spLocks noGrp="1"/>
+          </p:cNvSpPr>
+          <p:nvPr>
+            <p:ph type="title"/>
+          </p:nvPr>
+        </p:nvSpPr>
+        <p:spPr/>
+        <p:txBody>
+          <a:bodyPr/>
+          <a:lstStyle/>
+          <a:p>
+            <a:r>
+              <a:rPr lang="de-DE" dirty="0" err="1"/>
+              <a:t>Where</a:t>
+            </a:r>
+            <a:r>
+              <a:rPr lang="de-DE" dirty="0"/>
+              <a:t> </a:t>
+            </a:r>
+            <a:r>
+              <a:rPr lang="de-DE" dirty="0" err="1"/>
+              <a:t>to</a:t>
+            </a:r>
+            <a:r>
+              <a:rPr lang="de-DE" dirty="0"/>
+              <a:t> </a:t>
+            </a:r>
+            <a:r>
+              <a:rPr lang="de-DE" dirty="0" err="1"/>
+              <a:t>get</a:t>
+            </a:r>
+            <a:r>
+              <a:rPr lang="de-DE" dirty="0"/>
+              <a:t> </a:t>
+            </a:r>
+            <a:r>
+              <a:rPr lang="de-DE" dirty="0" err="1"/>
+              <a:t>more</a:t>
+            </a:r>
+            <a:r>
+              <a:rPr lang="de-DE" dirty="0"/>
+              <a:t>?</a:t>
+            </a:r>
+          </a:p>
+        </p:txBody>
+      </p:sp>
+      <p:sp>
+        <p:nvSpPr>
+          <p:cNvPr id="3" name="Inhaltsplatzhalter 2">
+            <a:extLst>
+              <a:ext uri="{FF2B5EF4-FFF2-40B4-BE49-F238E27FC236}">
+                <a16:creationId xmlns:a16="http://schemas.microsoft.com/office/drawing/2014/main" id="{DBEBF9AB-5A1A-DA4C-9716-8C9FF79FA50A}"/>
+              </a:ext>
+            </a:extLst>
+          </p:cNvPr>
+          <p:cNvSpPr>
+            <a:spLocks noGrp="1"/>
+          </p:cNvSpPr>
+          <p:nvPr>
+            <p:ph idx="1"/>
+          </p:nvPr>
+        </p:nvSpPr>
+        <p:spPr/>
+        <p:txBody>
+          <a:bodyPr/>
+          <a:lstStyle/>
+          <a:p>
+            <a:r>
+              <a:rPr lang="de-DE" sz="2400" dirty="0"/>
+              <a:t>On C#10</a:t>
+            </a:r>
+          </a:p>
+          <a:p>
+            <a:pPr lvl="1"/>
+            <a:r>
+              <a:rPr lang="de-DE" sz="2000" dirty="0">
+                <a:hlinkClick r:id="rId2"/>
+              </a:rPr>
+              <a:t>https://docs.microsoft.com/en-us/dotnet/csharp/whats-new/csharp-10</a:t>
+            </a:r>
+            <a:endParaRPr lang="de-DE" sz="2000" dirty="0"/>
+          </a:p>
+          <a:p>
+            <a:r>
+              <a:rPr lang="de-DE" sz="2400" dirty="0" err="1"/>
+              <a:t>Dotnet</a:t>
+            </a:r>
+            <a:r>
+              <a:rPr lang="de-DE" sz="2400" dirty="0"/>
+              <a:t> </a:t>
+            </a:r>
+            <a:r>
+              <a:rPr lang="de-DE" sz="2400" dirty="0" err="1"/>
+              <a:t>core</a:t>
+            </a:r>
+            <a:r>
+              <a:rPr lang="de-DE" sz="2400" dirty="0"/>
+              <a:t> 6</a:t>
+            </a:r>
+          </a:p>
+          <a:p>
+            <a:pPr lvl="1"/>
+            <a:r>
+              <a:rPr lang="de-DE" sz="2000" dirty="0">
+                <a:hlinkClick r:id="rId3"/>
+              </a:rPr>
+              <a:t>https://docs.microsoft.com/en-us/dotnet/core/whats-new/dotnet-</a:t>
+            </a:r>
+            <a:r>
+              <a:rPr lang="de-DE" sz="2000" dirty="0">
+                <a:hlinkClick r:id="rId3"/>
+              </a:rPr>
+              <a:t>6</a:t>
+            </a:r>
+            <a:endParaRPr lang="de-DE" sz="2000" dirty="0"/>
+          </a:p>
+          <a:p>
+            <a:pPr marL="457200" lvl="1" indent="0">
+              <a:buNone/>
+            </a:pPr>
+            <a:endParaRPr lang="de-DE" sz="2000" dirty="0"/>
+          </a:p>
+          <a:p>
+            <a:endParaRPr lang="de-DE" dirty="0"/>
+          </a:p>
+        </p:txBody>
+      </p:sp>
+    </p:spTree>
+    <p:extLst>
+      <p:ext uri="{BB962C8B-B14F-4D97-AF65-F5344CB8AC3E}">
+        <p14:creationId xmlns:p14="http://schemas.microsoft.com/office/powerpoint/2010/main" val="500471797"/>
       </p:ext>
     </p:extLst>
   </p:cSld>
